--- a/Java Урок 16 ООП. OOД SOLID, DRY, KISS, YAGNI.pptx
+++ b/Java Урок 16 ООП. OOД SOLID, DRY, KISS, YAGNI.pptx
@@ -144,6 +144,11 @@
       </a:defRPr>
     </a:lvl9pPr>
   </p:defaultTextStyle>
+  <p:extLst>
+    <p:ext uri="{EFAFB233-063F-42B5-8137-9DF3F51BA10A}">
+      <p15:sldGuideLst xmlns:p15="http://schemas.microsoft.com/office/powerpoint/2012/main"/>
+    </p:ext>
+  </p:extLst>
 </p:presentation>
 </file>
 
@@ -229,7 +234,7 @@
           <a:p>
             <a:fld id="{00E3256C-5935-411A-ABCB-8205ABE8B5DA}" type="datetimeFigureOut">
               <a:rPr lang="uk-UA" smtClean="0"/>
-              <a:t>01.06.2024</a:t>
+              <a:t>07.06.2024</a:t>
             </a:fld>
             <a:endParaRPr lang="uk-UA"/>
           </a:p>
@@ -730,7 +735,7 @@
           <a:p>
             <a:fld id="{ECF83009-ECA1-4F51-A80C-E57E4D1EA8FC}" type="datetimeFigureOut">
               <a:rPr lang="uk-UA" smtClean="0"/>
-              <a:t>01.06.2024</a:t>
+              <a:t>07.06.2024</a:t>
             </a:fld>
             <a:endParaRPr lang="uk-UA"/>
           </a:p>
@@ -930,7 +935,7 @@
           <a:p>
             <a:fld id="{ECF83009-ECA1-4F51-A80C-E57E4D1EA8FC}" type="datetimeFigureOut">
               <a:rPr lang="uk-UA" smtClean="0"/>
-              <a:t>01.06.2024</a:t>
+              <a:t>07.06.2024</a:t>
             </a:fld>
             <a:endParaRPr lang="uk-UA"/>
           </a:p>
@@ -1140,7 +1145,7 @@
           <a:p>
             <a:fld id="{ECF83009-ECA1-4F51-A80C-E57E4D1EA8FC}" type="datetimeFigureOut">
               <a:rPr lang="uk-UA" smtClean="0"/>
-              <a:t>01.06.2024</a:t>
+              <a:t>07.06.2024</a:t>
             </a:fld>
             <a:endParaRPr lang="uk-UA"/>
           </a:p>
@@ -1340,7 +1345,7 @@
           <a:p>
             <a:fld id="{ECF83009-ECA1-4F51-A80C-E57E4D1EA8FC}" type="datetimeFigureOut">
               <a:rPr lang="uk-UA" smtClean="0"/>
-              <a:t>01.06.2024</a:t>
+              <a:t>07.06.2024</a:t>
             </a:fld>
             <a:endParaRPr lang="uk-UA"/>
           </a:p>
@@ -1616,7 +1621,7 @@
           <a:p>
             <a:fld id="{ECF83009-ECA1-4F51-A80C-E57E4D1EA8FC}" type="datetimeFigureOut">
               <a:rPr lang="uk-UA" smtClean="0"/>
-              <a:t>01.06.2024</a:t>
+              <a:t>07.06.2024</a:t>
             </a:fld>
             <a:endParaRPr lang="uk-UA"/>
           </a:p>
@@ -1884,7 +1889,7 @@
           <a:p>
             <a:fld id="{ECF83009-ECA1-4F51-A80C-E57E4D1EA8FC}" type="datetimeFigureOut">
               <a:rPr lang="uk-UA" smtClean="0"/>
-              <a:t>01.06.2024</a:t>
+              <a:t>07.06.2024</a:t>
             </a:fld>
             <a:endParaRPr lang="uk-UA"/>
           </a:p>
@@ -2299,7 +2304,7 @@
           <a:p>
             <a:fld id="{ECF83009-ECA1-4F51-A80C-E57E4D1EA8FC}" type="datetimeFigureOut">
               <a:rPr lang="uk-UA" smtClean="0"/>
-              <a:t>01.06.2024</a:t>
+              <a:t>07.06.2024</a:t>
             </a:fld>
             <a:endParaRPr lang="uk-UA"/>
           </a:p>
@@ -2441,7 +2446,7 @@
           <a:p>
             <a:fld id="{ECF83009-ECA1-4F51-A80C-E57E4D1EA8FC}" type="datetimeFigureOut">
               <a:rPr lang="uk-UA" smtClean="0"/>
-              <a:t>01.06.2024</a:t>
+              <a:t>07.06.2024</a:t>
             </a:fld>
             <a:endParaRPr lang="uk-UA"/>
           </a:p>
@@ -2554,7 +2559,7 @@
           <a:p>
             <a:fld id="{ECF83009-ECA1-4F51-A80C-E57E4D1EA8FC}" type="datetimeFigureOut">
               <a:rPr lang="uk-UA" smtClean="0"/>
-              <a:t>01.06.2024</a:t>
+              <a:t>07.06.2024</a:t>
             </a:fld>
             <a:endParaRPr lang="uk-UA"/>
           </a:p>
@@ -2867,7 +2872,7 @@
           <a:p>
             <a:fld id="{ECF83009-ECA1-4F51-A80C-E57E4D1EA8FC}" type="datetimeFigureOut">
               <a:rPr lang="uk-UA" smtClean="0"/>
-              <a:t>01.06.2024</a:t>
+              <a:t>07.06.2024</a:t>
             </a:fld>
             <a:endParaRPr lang="uk-UA"/>
           </a:p>
@@ -3156,7 +3161,7 @@
           <a:p>
             <a:fld id="{ECF83009-ECA1-4F51-A80C-E57E4D1EA8FC}" type="datetimeFigureOut">
               <a:rPr lang="uk-UA" smtClean="0"/>
-              <a:t>01.06.2024</a:t>
+              <a:t>07.06.2024</a:t>
             </a:fld>
             <a:endParaRPr lang="uk-UA"/>
           </a:p>
@@ -3399,7 +3404,7 @@
           <a:p>
             <a:fld id="{ECF83009-ECA1-4F51-A80C-E57E4D1EA8FC}" type="datetimeFigureOut">
               <a:rPr lang="uk-UA" smtClean="0"/>
-              <a:t>01.06.2024</a:t>
+              <a:t>07.06.2024</a:t>
             </a:fld>
             <a:endParaRPr lang="uk-UA"/>
           </a:p>
@@ -5749,7 +5754,31 @@
           <a:p>
             <a:r>
               <a:rPr lang="uk-UA" dirty="0" err="1"/>
-              <a:t>publicabstractclassEngine</a:t>
+              <a:t>public</a:t>
+            </a:r>
+            <a:r>
+              <a:rPr lang="uk-UA" dirty="0"/>
+              <a:t> </a:t>
+            </a:r>
+            <a:r>
+              <a:rPr lang="uk-UA" dirty="0" err="1"/>
+              <a:t>abstract</a:t>
+            </a:r>
+            <a:r>
+              <a:rPr lang="uk-UA" dirty="0"/>
+              <a:t> </a:t>
+            </a:r>
+            <a:r>
+              <a:rPr lang="uk-UA" dirty="0" err="1"/>
+              <a:t>class</a:t>
+            </a:r>
+            <a:r>
+              <a:rPr lang="uk-UA" dirty="0"/>
+              <a:t> </a:t>
+            </a:r>
+            <a:r>
+              <a:rPr lang="uk-UA" dirty="0" err="1"/>
+              <a:t>Engine</a:t>
             </a:r>
             <a:endParaRPr lang="uk-UA" dirty="0"/>
           </a:p>
@@ -9663,8 +9692,8 @@
         </p:blipFill>
         <p:spPr>
           <a:xfrm>
-            <a:off x="1156949" y="3429000"/>
-            <a:ext cx="5172751" cy="2809952"/>
+            <a:off x="585450" y="2906624"/>
+            <a:ext cx="6679360" cy="3628375"/>
           </a:xfrm>
           <a:prstGeom prst="rect">
             <a:avLst/>
@@ -11486,7 +11515,7 @@
         <p:spPr>
           <a:xfrm>
             <a:off x="647700" y="1440835"/>
-            <a:ext cx="6096000" cy="2031325"/>
+            <a:ext cx="5448300" cy="2308324"/>
           </a:xfrm>
           <a:prstGeom prst="rect">
             <a:avLst/>
@@ -12274,7 +12303,7 @@
         </p:nvSpPr>
         <p:spPr>
           <a:xfrm>
-            <a:off x="6324600" y="5184160"/>
+            <a:off x="140110" y="4417244"/>
             <a:ext cx="6096000" cy="1200329"/>
           </a:xfrm>
           <a:prstGeom prst="rect">
@@ -12379,8 +12408,8 @@
         </p:blipFill>
         <p:spPr>
           <a:xfrm>
-            <a:off x="7589026" y="1440835"/>
-            <a:ext cx="3955274" cy="3429000"/>
+            <a:off x="6271751" y="1240427"/>
+            <a:ext cx="5920249" cy="5132523"/>
           </a:xfrm>
           <a:prstGeom prst="rect">
             <a:avLst/>
@@ -12533,8 +12562,8 @@
         </p:blipFill>
         <p:spPr bwMode="auto">
           <a:xfrm>
-            <a:off x="542925" y="2026900"/>
-            <a:ext cx="4486275" cy="3752850"/>
+            <a:off x="542925" y="2026899"/>
+            <a:ext cx="5179449" cy="4332703"/>
           </a:xfrm>
           <a:prstGeom prst="rect">
             <a:avLst/>
